--- a/PPT Project NM.pptx
+++ b/PPT Project NM.pptx
@@ -144,7 +144,7 @@
       </p:grpSpPr>
       <p:sp>
         <p:nvSpPr>
-          <p:cNvPr id="1048695" name="Header Placeholder 1"/>
+          <p:cNvPr id="1048701" name="Header Placeholder 1"/>
           <p:cNvSpPr>
             <a:spLocks noGrp="1"/>
           </p:cNvSpPr>
@@ -173,7 +173,7 @@
       </p:sp>
       <p:sp>
         <p:nvSpPr>
-          <p:cNvPr id="1048696" name="Date Placeholder 2"/>
+          <p:cNvPr id="1048702" name="Date Placeholder 2"/>
           <p:cNvSpPr>
             <a:spLocks noGrp="1"/>
           </p:cNvSpPr>
@@ -206,7 +206,7 @@
       </p:sp>
       <p:sp>
         <p:nvSpPr>
-          <p:cNvPr id="1048697" name="Slide Image Placeholder 3"/>
+          <p:cNvPr id="1048703" name="Slide Image Placeholder 3"/>
           <p:cNvSpPr>
             <a:spLocks noChangeAspect="1" noRot="1" noGrp="1"/>
           </p:cNvSpPr>
@@ -236,7 +236,7 @@
       </p:sp>
       <p:sp>
         <p:nvSpPr>
-          <p:cNvPr id="1048698" name="Notes Placeholder 4"/>
+          <p:cNvPr id="1048704" name="Notes Placeholder 4"/>
           <p:cNvSpPr>
             <a:spLocks noGrp="1"/>
           </p:cNvSpPr>
@@ -293,7 +293,7 @@
       </p:sp>
       <p:sp>
         <p:nvSpPr>
-          <p:cNvPr id="1048699" name="Footer Placeholder 5"/>
+          <p:cNvPr id="1048705" name="Footer Placeholder 5"/>
           <p:cNvSpPr>
             <a:spLocks noGrp="1"/>
           </p:cNvSpPr>
@@ -322,7 +322,7 @@
       </p:sp>
       <p:sp>
         <p:nvSpPr>
-          <p:cNvPr id="1048700" name="Slide Number Placeholder 6"/>
+          <p:cNvPr id="1048706" name="Slide Number Placeholder 6"/>
           <p:cNvSpPr>
             <a:spLocks noGrp="1"/>
           </p:cNvSpPr>
@@ -456,7 +456,7 @@
   <p:cSld>
     <p:spTree>
       <p:nvGrpSpPr>
-        <p:cNvPr id="37" name=""/>
+        <p:cNvPr id="29" name=""/>
         <p:cNvGrpSpPr/>
         <p:nvPr/>
       </p:nvGrpSpPr>
@@ -470,7 +470,7 @@
       </p:grpSpPr>
       <p:sp>
         <p:nvSpPr>
-          <p:cNvPr id="1048665" name="Slide Image Placeholder 1"/>
+          <p:cNvPr id="1048633" name="Slide Image Placeholder 1"/>
           <p:cNvSpPr>
             <a:spLocks noChangeAspect="1" noRot="1" noGrp="1"/>
           </p:cNvSpPr>
@@ -482,7 +482,7 @@
       </p:sp>
       <p:sp>
         <p:nvSpPr>
-          <p:cNvPr id="1048666" name="Notes Placeholder 2"/>
+          <p:cNvPr id="1048634" name="Notes Placeholder 2"/>
           <p:cNvSpPr>
             <a:spLocks noGrp="1"/>
           </p:cNvSpPr>
@@ -500,7 +500,7 @@
       </p:sp>
       <p:sp>
         <p:nvSpPr>
-          <p:cNvPr id="1048667" name="Slide Number Placeholder 3"/>
+          <p:cNvPr id="1048635" name="Slide Number Placeholder 3"/>
           <p:cNvSpPr>
             <a:spLocks noGrp="1"/>
           </p:cNvSpPr>
@@ -533,7 +533,7 @@
   <p:cSld name="Title Slide">
     <p:spTree>
       <p:nvGrpSpPr>
-        <p:cNvPr id="29" name=""/>
+        <p:cNvPr id="23" name=""/>
         <p:cNvGrpSpPr/>
         <p:nvPr/>
       </p:nvGrpSpPr>
@@ -547,7 +547,7 @@
       </p:grpSpPr>
       <p:sp>
         <p:nvSpPr>
-          <p:cNvPr id="1048633" name="Holder 2"/>
+          <p:cNvPr id="1048610" name="Holder 2"/>
           <p:cNvSpPr>
             <a:spLocks noGrp="1"/>
           </p:cNvSpPr>
@@ -582,7 +582,7 @@
       </p:sp>
       <p:sp>
         <p:nvSpPr>
-          <p:cNvPr id="1048634" name="Holder 3"/>
+          <p:cNvPr id="1048611" name="Holder 3"/>
           <p:cNvSpPr>
             <a:spLocks noGrp="1"/>
           </p:cNvSpPr>
@@ -606,7 +606,7 @@
       </p:sp>
       <p:sp>
         <p:nvSpPr>
-          <p:cNvPr id="1048635" name="Holder 4"/>
+          <p:cNvPr id="1048612" name="Holder 4"/>
           <p:cNvSpPr>
             <a:spLocks noGrp="1"/>
           </p:cNvSpPr>
@@ -633,7 +633,7 @@
       </p:sp>
       <p:sp>
         <p:nvSpPr>
-          <p:cNvPr id="1048636" name="Holder 5"/>
+          <p:cNvPr id="1048613" name="Holder 5"/>
           <p:cNvSpPr>
             <a:spLocks noGrp="1"/>
           </p:cNvSpPr>
@@ -666,7 +666,7 @@
       </p:sp>
       <p:sp>
         <p:nvSpPr>
-          <p:cNvPr id="1048637" name="Holder 6"/>
+          <p:cNvPr id="1048614" name="Holder 6"/>
           <p:cNvSpPr>
             <a:spLocks noGrp="1"/>
           </p:cNvSpPr>
@@ -732,7 +732,7 @@
       </p:grpSpPr>
       <p:sp>
         <p:nvSpPr>
-          <p:cNvPr id="1048681" name="Holder 2"/>
+          <p:cNvPr id="1048687" name="Holder 2"/>
           <p:cNvSpPr>
             <a:spLocks noGrp="1"/>
           </p:cNvSpPr>
@@ -759,7 +759,7 @@
       </p:sp>
       <p:sp>
         <p:nvSpPr>
-          <p:cNvPr id="1048682" name="Holder 3"/>
+          <p:cNvPr id="1048688" name="Holder 3"/>
           <p:cNvSpPr>
             <a:spLocks noGrp="1"/>
           </p:cNvSpPr>
@@ -775,7 +775,7 @@
       </p:sp>
       <p:sp>
         <p:nvSpPr>
-          <p:cNvPr id="1048683" name="Holder 4"/>
+          <p:cNvPr id="1048689" name="Holder 4"/>
           <p:cNvSpPr>
             <a:spLocks noGrp="1"/>
           </p:cNvSpPr>
@@ -802,7 +802,7 @@
       </p:sp>
       <p:sp>
         <p:nvSpPr>
-          <p:cNvPr id="1048684" name="Holder 5"/>
+          <p:cNvPr id="1048690" name="Holder 5"/>
           <p:cNvSpPr>
             <a:spLocks noGrp="1"/>
           </p:cNvSpPr>
@@ -835,7 +835,7 @@
       </p:sp>
       <p:sp>
         <p:nvSpPr>
-          <p:cNvPr id="1048685" name="Holder 6"/>
+          <p:cNvPr id="1048691" name="Holder 6"/>
           <p:cNvSpPr>
             <a:spLocks noGrp="1"/>
           </p:cNvSpPr>
@@ -901,7 +901,7 @@
       </p:grpSpPr>
       <p:sp>
         <p:nvSpPr>
-          <p:cNvPr id="1048686" name="Holder 2"/>
+          <p:cNvPr id="1048692" name="Holder 2"/>
           <p:cNvSpPr>
             <a:spLocks noGrp="1"/>
           </p:cNvSpPr>
@@ -928,7 +928,7 @@
       </p:sp>
       <p:sp>
         <p:nvSpPr>
-          <p:cNvPr id="1048687" name="Holder 3"/>
+          <p:cNvPr id="1048693" name="Holder 3"/>
           <p:cNvSpPr>
             <a:spLocks noGrp="1"/>
           </p:cNvSpPr>
@@ -952,7 +952,7 @@
       </p:sp>
       <p:sp>
         <p:nvSpPr>
-          <p:cNvPr id="1048688" name="Holder 4"/>
+          <p:cNvPr id="1048694" name="Holder 4"/>
           <p:cNvSpPr>
             <a:spLocks noGrp="1"/>
           </p:cNvSpPr>
@@ -976,7 +976,7 @@
       </p:sp>
       <p:sp>
         <p:nvSpPr>
-          <p:cNvPr id="1048689" name="Holder 5"/>
+          <p:cNvPr id="1048695" name="Holder 5"/>
           <p:cNvSpPr>
             <a:spLocks noGrp="1"/>
           </p:cNvSpPr>
@@ -1003,7 +1003,7 @@
       </p:sp>
       <p:sp>
         <p:nvSpPr>
-          <p:cNvPr id="1048690" name="Holder 6"/>
+          <p:cNvPr id="1048696" name="Holder 6"/>
           <p:cNvSpPr>
             <a:spLocks noGrp="1"/>
           </p:cNvSpPr>
@@ -1036,7 +1036,7 @@
       </p:sp>
       <p:sp>
         <p:nvSpPr>
-          <p:cNvPr id="1048691" name="Holder 7"/>
+          <p:cNvPr id="1048697" name="Holder 7"/>
           <p:cNvSpPr>
             <a:spLocks noGrp="1"/>
           </p:cNvSpPr>
@@ -1255,7 +1255,7 @@
       </p:grpSpPr>
       <p:sp>
         <p:nvSpPr>
-          <p:cNvPr id="1048692" name="Holder 2"/>
+          <p:cNvPr id="1048698" name="Holder 2"/>
           <p:cNvSpPr>
             <a:spLocks noGrp="1"/>
           </p:cNvSpPr>
@@ -1282,7 +1282,7 @@
       </p:sp>
       <p:sp>
         <p:nvSpPr>
-          <p:cNvPr id="1048693" name="Holder 3"/>
+          <p:cNvPr id="1048699" name="Holder 3"/>
           <p:cNvSpPr>
             <a:spLocks noGrp="1"/>
           </p:cNvSpPr>
@@ -1315,7 +1315,7 @@
       </p:sp>
       <p:sp>
         <p:nvSpPr>
-          <p:cNvPr id="1048694" name="Holder 4"/>
+          <p:cNvPr id="1048700" name="Holder 4"/>
           <p:cNvSpPr>
             <a:spLocks noGrp="1"/>
           </p:cNvSpPr>
@@ -2171,7 +2171,7 @@
   <p:cSld>
     <p:spTree>
       <p:nvGrpSpPr>
-        <p:cNvPr id="34" name=""/>
+        <p:cNvPr id="26" name=""/>
         <p:cNvGrpSpPr/>
         <p:nvPr/>
       </p:nvGrpSpPr>
@@ -2185,7 +2185,7 @@
       </p:grpSpPr>
       <p:grpSp>
         <p:nvGrpSpPr>
-          <p:cNvPr id="35" name="object 2"/>
+          <p:cNvPr id="27" name="object 2"/>
           <p:cNvGrpSpPr/>
           <p:nvPr/>
         </p:nvGrpSpPr>
@@ -2199,7 +2199,7 @@
         </p:grpSpPr>
         <p:sp>
           <p:nvSpPr>
-            <p:cNvPr id="1048658" name="object 3"/>
+            <p:cNvPr id="1048626" name="object 3"/>
             <p:cNvSpPr/>
             <p:nvPr/>
           </p:nvSpPr>
@@ -2250,7 +2250,7 @@
         </p:sp>
         <p:sp>
           <p:nvSpPr>
-            <p:cNvPr id="1048659" name="object 4"/>
+            <p:cNvPr id="1048627" name="object 4"/>
             <p:cNvSpPr/>
             <p:nvPr/>
           </p:nvSpPr>
@@ -2302,7 +2302,7 @@
       </p:grpSp>
       <p:sp>
         <p:nvSpPr>
-          <p:cNvPr id="1048660" name="object 5"/>
+          <p:cNvPr id="1048628" name="object 5"/>
           <p:cNvSpPr/>
           <p:nvPr/>
         </p:nvSpPr>
@@ -2353,7 +2353,7 @@
       </p:sp>
       <p:sp>
         <p:nvSpPr>
-          <p:cNvPr id="1048661" name="object 6"/>
+          <p:cNvPr id="1048629" name="object 6"/>
           <p:cNvSpPr/>
           <p:nvPr/>
         </p:nvSpPr>
@@ -2404,7 +2404,7 @@
       </p:sp>
       <p:sp>
         <p:nvSpPr>
-          <p:cNvPr id="1048662" name="object 7"/>
+          <p:cNvPr id="1048630" name="object 7"/>
           <p:cNvSpPr txBox="1">
             <a:spLocks noGrp="1"/>
           </p:cNvSpPr>
@@ -2455,7 +2455,7 @@
       </p:sp>
       <p:pic>
         <p:nvPicPr>
-          <p:cNvPr id="2097165" name="object 9"/>
+          <p:cNvPr id="2097157" name="object 9"/>
           <p:cNvPicPr>
             <a:picLocks/>
           </p:cNvPicPr>
@@ -2477,7 +2477,7 @@
       </p:pic>
       <p:sp>
         <p:nvSpPr>
-          <p:cNvPr id="1048663" name="object 11"/>
+          <p:cNvPr id="1048631" name="object 11"/>
           <p:cNvSpPr txBox="1">
             <a:spLocks noGrp="1"/>
           </p:cNvSpPr>
@@ -2511,7 +2511,7 @@
       </p:sp>
       <p:sp>
         <p:nvSpPr>
-          <p:cNvPr id="1048664" name="TextBox 13"/>
+          <p:cNvPr id="1048632" name="TextBox 13"/>
           <p:cNvSpPr txBox="1"/>
           <p:nvPr/>
         </p:nvSpPr>
@@ -2935,7 +2935,7 @@
   <p:cSld>
     <p:spTree>
       <p:nvGrpSpPr>
-        <p:cNvPr id="39" name=""/>
+        <p:cNvPr id="19" name=""/>
         <p:cNvGrpSpPr/>
         <p:nvPr/>
       </p:nvGrpSpPr>
@@ -2949,7 +2949,7 @@
       </p:grpSpPr>
       <p:sp>
         <p:nvSpPr>
-          <p:cNvPr id="1048669" name="object 2"/>
+          <p:cNvPr id="1048595" name="object 2"/>
           <p:cNvSpPr txBox="1"/>
           <p:nvPr/>
         </p:nvSpPr>
@@ -3119,7 +3119,7 @@
       </p:sp>
       <p:sp>
         <p:nvSpPr>
-          <p:cNvPr id="1048670" name="object 3"/>
+          <p:cNvPr id="1048596" name="object 3"/>
           <p:cNvSpPr/>
           <p:nvPr/>
         </p:nvSpPr>
@@ -3164,7 +3164,7 @@
       </p:sp>
       <p:sp>
         <p:nvSpPr>
-          <p:cNvPr id="1048671" name="object 4"/>
+          <p:cNvPr id="1048597" name="object 4"/>
           <p:cNvSpPr/>
           <p:nvPr/>
         </p:nvSpPr>
@@ -3209,7 +3209,7 @@
       </p:sp>
       <p:sp>
         <p:nvSpPr>
-          <p:cNvPr id="1048672" name="object 5"/>
+          <p:cNvPr id="1048598" name="object 5"/>
           <p:cNvSpPr/>
           <p:nvPr/>
         </p:nvSpPr>
@@ -3254,7 +3254,7 @@
       </p:sp>
       <p:pic>
         <p:nvPicPr>
-          <p:cNvPr id="2097166" name="object 6"/>
+          <p:cNvPr id="2097152" name="object 6"/>
           <p:cNvPicPr>
             <a:picLocks/>
           </p:cNvPicPr>
@@ -3276,7 +3276,7 @@
       </p:pic>
       <p:sp>
         <p:nvSpPr>
-          <p:cNvPr id="1048673" name="object 7"/>
+          <p:cNvPr id="1048599" name="object 7"/>
           <p:cNvSpPr txBox="1">
             <a:spLocks noGrp="1"/>
           </p:cNvSpPr>
@@ -3314,7 +3314,7 @@
       </p:sp>
       <p:sp>
         <p:nvSpPr>
-          <p:cNvPr id="1048674" name="object 8"/>
+          <p:cNvPr id="1048600" name="object 8"/>
           <p:cNvSpPr txBox="1"/>
           <p:nvPr/>
         </p:nvSpPr>
@@ -3357,14 +3357,14 @@
       </p:sp>
       <p:sp>
         <p:nvSpPr>
-          <p:cNvPr id="1048675" name="TextBox 8"/>
+          <p:cNvPr id="1048601" name="TextBox 8"/>
           <p:cNvSpPr txBox="1"/>
           <p:nvPr/>
         </p:nvSpPr>
         <p:spPr>
           <a:xfrm>
-            <a:off x="2142837" y="2378392"/>
-            <a:ext cx="8534018" cy="2758440"/>
+            <a:off x="605364" y="1293748"/>
+            <a:ext cx="8614836" cy="3177540"/>
           </a:xfrm>
           <a:prstGeom prst="rect"/>
           <a:noFill/>
@@ -3439,6 +3439,17 @@
               </a:rPr>
               <a:t>Screenshots of the homepage, projects section, and contact form</a:t>
             </a:r>
+            <a:r>
+              <a:rPr b="0" dirty="0" sz="3600" i="0" lang="en-US">
+                <a:solidFill>
+                  <a:srgbClr val="0D0D0D"/>
+                </a:solidFill>
+                <a:effectLst/>
+                <a:latin typeface="Times New Roman" panose="02020603050405020304" pitchFamily="18" charset="0"/>
+                <a:cs typeface="Times New Roman" panose="02020603050405020304" pitchFamily="18" charset="0"/>
+              </a:rPr>
+              <a:t> </a:t>
+            </a:r>
             <a:endParaRPr b="0" dirty="0" sz="2800" i="0" lang="en-US">
               <a:solidFill>
                 <a:srgbClr val="0D0D0D"/>
@@ -3448,8 +3459,44 @@
               <a:cs typeface="Times New Roman" panose="02020603050405020304" pitchFamily="18" charset="0"/>
             </a:endParaRPr>
           </a:p>
-        </p:txBody>
-      </p:sp>
+          <a:p>
+            <a:pPr algn="l">
+              <a:buFont typeface="Arial" panose="020B0604020202020204" pitchFamily="34" charset="0"/>
+              <a:buChar char="•"/>
+            </a:pPr>
+            <a:endParaRPr b="0" dirty="0" sz="2800" i="0" lang="en-US">
+              <a:solidFill>
+                <a:srgbClr val="0D0D0D"/>
+              </a:solidFill>
+              <a:effectLst/>
+              <a:latin typeface="Times New Roman" panose="02020603050405020304" pitchFamily="18" charset="0"/>
+              <a:cs typeface="Times New Roman" panose="02020603050405020304" pitchFamily="18" charset="0"/>
+            </a:endParaRPr>
+          </a:p>
+        </p:txBody>
+      </p:sp>
+      <p:pic>
+        <p:nvPicPr>
+          <p:cNvPr id="2097168" name=""/>
+          <p:cNvPicPr>
+            <a:picLocks/>
+          </p:cNvPicPr>
+          <p:nvPr/>
+        </p:nvPicPr>
+        <p:blipFill>
+          <a:blip xmlns:r="http://schemas.openxmlformats.org/officeDocument/2006/relationships" r:embed="rId2"/>
+          <a:stretch>
+            <a:fillRect/>
+          </a:stretch>
+        </p:blipFill>
+        <p:spPr>
+          <a:xfrm rot="0">
+            <a:off x="9134176" y="-192893"/>
+            <a:ext cx="3057824" cy="6800229"/>
+          </a:xfrm>
+          <a:prstGeom prst="rect"/>
+        </p:spPr>
+      </p:pic>
     </p:spTree>
   </p:cSld>
   <p:clrMapOvr>
@@ -3463,7 +3510,7 @@
   <p:cSld>
     <p:spTree>
       <p:nvGrpSpPr>
-        <p:cNvPr id="40" name=""/>
+        <p:cNvPr id="21" name=""/>
         <p:cNvGrpSpPr/>
         <p:nvPr/>
       </p:nvGrpSpPr>
@@ -3477,7 +3524,7 @@
       </p:grpSpPr>
       <p:sp>
         <p:nvSpPr>
-          <p:cNvPr id="1048676" name="object 3"/>
+          <p:cNvPr id="1048602" name="object 3"/>
           <p:cNvSpPr/>
           <p:nvPr/>
         </p:nvSpPr>
@@ -3522,7 +3569,7 @@
       </p:sp>
       <p:sp>
         <p:nvSpPr>
-          <p:cNvPr id="1048677" name="object 4"/>
+          <p:cNvPr id="1048603" name="object 4"/>
           <p:cNvSpPr/>
           <p:nvPr/>
         </p:nvSpPr>
@@ -3567,7 +3614,7 @@
       </p:sp>
       <p:sp>
         <p:nvSpPr>
-          <p:cNvPr id="1048678" name="object 5"/>
+          <p:cNvPr id="1048604" name="object 5"/>
           <p:cNvSpPr/>
           <p:nvPr/>
         </p:nvSpPr>
@@ -3612,7 +3659,7 @@
       </p:sp>
       <p:pic>
         <p:nvPicPr>
-          <p:cNvPr id="2097167" name="object 6"/>
+          <p:cNvPr id="2097153" name="object 6"/>
           <p:cNvPicPr>
             <a:picLocks/>
           </p:cNvPicPr>
@@ -3634,7 +3681,7 @@
       </p:pic>
       <p:sp>
         <p:nvSpPr>
-          <p:cNvPr id="1048679" name="object 7"/>
+          <p:cNvPr id="1048605" name="object 7"/>
           <p:cNvSpPr txBox="1">
             <a:spLocks noGrp="1"/>
           </p:cNvSpPr>
@@ -3680,7 +3727,7 @@
       </p:sp>
       <p:sp>
         <p:nvSpPr>
-          <p:cNvPr id="1048680" name="object 9"/>
+          <p:cNvPr id="1048606" name="object 9"/>
           <p:cNvSpPr txBox="1"/>
           <p:nvPr/>
         </p:nvSpPr>
@@ -3723,7 +3770,7 @@
       </p:sp>
       <p:sp>
         <p:nvSpPr>
-          <p:cNvPr id="1048708" name=""/>
+          <p:cNvPr id="1048607" name=""/>
           <p:cNvSpPr txBox="1"/>
           <p:nvPr/>
         </p:nvSpPr>
@@ -3769,7 +3816,7 @@
   <p:cSld>
     <p:spTree>
       <p:nvGrpSpPr>
-        <p:cNvPr id="31" name=""/>
+        <p:cNvPr id="30" name=""/>
         <p:cNvGrpSpPr/>
         <p:nvPr/>
       </p:nvGrpSpPr>
@@ -3783,7 +3830,7 @@
       </p:grpSpPr>
       <p:grpSp>
         <p:nvGrpSpPr>
-          <p:cNvPr id="32" name="object 3"/>
+          <p:cNvPr id="31" name="object 3"/>
           <p:cNvGrpSpPr/>
           <p:nvPr/>
         </p:nvGrpSpPr>
@@ -3797,7 +3844,7 @@
         </p:grpSpPr>
         <p:sp>
           <p:nvSpPr>
-            <p:cNvPr id="1048643" name="object 4"/>
+            <p:cNvPr id="1048636" name="object 4"/>
             <p:cNvSpPr/>
             <p:nvPr/>
           </p:nvSpPr>
@@ -3834,7 +3881,7 @@
         </p:sp>
         <p:sp>
           <p:nvSpPr>
-            <p:cNvPr id="1048644" name="object 5"/>
+            <p:cNvPr id="1048637" name="object 5"/>
             <p:cNvSpPr/>
             <p:nvPr/>
           </p:nvSpPr>
@@ -3871,7 +3918,7 @@
         </p:sp>
         <p:sp>
           <p:nvSpPr>
-            <p:cNvPr id="1048645" name="object 6"/>
+            <p:cNvPr id="1048638" name="object 6"/>
             <p:cNvSpPr/>
             <p:nvPr/>
           </p:nvSpPr>
@@ -3918,7 +3965,7 @@
         </p:sp>
         <p:sp>
           <p:nvSpPr>
-            <p:cNvPr id="1048646" name="object 7"/>
+            <p:cNvPr id="1048639" name="object 7"/>
             <p:cNvSpPr/>
             <p:nvPr/>
           </p:nvSpPr>
@@ -3965,7 +4012,7 @@
         </p:sp>
         <p:sp>
           <p:nvSpPr>
-            <p:cNvPr id="1048647" name="object 8"/>
+            <p:cNvPr id="1048640" name="object 8"/>
             <p:cNvSpPr/>
             <p:nvPr/>
           </p:nvSpPr>
@@ -4009,7 +4056,7 @@
         </p:sp>
         <p:sp>
           <p:nvSpPr>
-            <p:cNvPr id="1048648" name="object 9"/>
+            <p:cNvPr id="1048641" name="object 9"/>
             <p:cNvSpPr/>
             <p:nvPr/>
           </p:nvSpPr>
@@ -4056,7 +4103,7 @@
         </p:sp>
         <p:sp>
           <p:nvSpPr>
-            <p:cNvPr id="1048649" name="object 10"/>
+            <p:cNvPr id="1048642" name="object 10"/>
             <p:cNvSpPr/>
             <p:nvPr/>
           </p:nvSpPr>
@@ -4103,7 +4150,7 @@
         </p:sp>
         <p:sp>
           <p:nvSpPr>
-            <p:cNvPr id="1048650" name="object 11"/>
+            <p:cNvPr id="1048643" name="object 11"/>
             <p:cNvSpPr/>
             <p:nvPr/>
           </p:nvSpPr>
@@ -4150,7 +4197,7 @@
         </p:sp>
         <p:sp>
           <p:nvSpPr>
-            <p:cNvPr id="1048651" name="object 12"/>
+            <p:cNvPr id="1048644" name="object 12"/>
             <p:cNvSpPr/>
             <p:nvPr/>
           </p:nvSpPr>
@@ -4195,7 +4242,7 @@
       </p:grpSp>
       <p:sp>
         <p:nvSpPr>
-          <p:cNvPr id="1048652" name="object 13"/>
+          <p:cNvPr id="1048645" name="object 13"/>
           <p:cNvSpPr/>
           <p:nvPr/>
         </p:nvSpPr>
@@ -4239,7 +4286,7 @@
       </p:sp>
       <p:sp>
         <p:nvSpPr>
-          <p:cNvPr id="1048653" name="object 14"/>
+          <p:cNvPr id="1048646" name="object 14"/>
           <p:cNvSpPr/>
           <p:nvPr/>
         </p:nvSpPr>
@@ -4284,7 +4331,7 @@
       </p:sp>
       <p:sp>
         <p:nvSpPr>
-          <p:cNvPr id="1048654" name="object 15"/>
+          <p:cNvPr id="1048647" name="object 15"/>
           <p:cNvSpPr/>
           <p:nvPr/>
         </p:nvSpPr>
@@ -4329,7 +4376,7 @@
       </p:sp>
       <p:sp>
         <p:nvSpPr>
-          <p:cNvPr id="1048655" name="object 16"/>
+          <p:cNvPr id="1048648" name="object 16"/>
           <p:cNvSpPr/>
           <p:nvPr/>
         </p:nvSpPr>
@@ -4374,7 +4421,7 @@
       </p:sp>
       <p:sp>
         <p:nvSpPr>
-          <p:cNvPr id="1048656" name="object 17"/>
+          <p:cNvPr id="1048649" name="object 17"/>
           <p:cNvSpPr txBox="1">
             <a:spLocks noGrp="1"/>
           </p:cNvSpPr>
@@ -4420,7 +4467,7 @@
       </p:sp>
       <p:grpSp>
         <p:nvGrpSpPr>
-          <p:cNvPr id="33" name="object 18"/>
+          <p:cNvPr id="32" name="object 18"/>
           <p:cNvGrpSpPr/>
           <p:nvPr/>
         </p:nvGrpSpPr>
@@ -4434,7 +4481,7 @@
         </p:grpSpPr>
         <p:pic>
           <p:nvPicPr>
-            <p:cNvPr id="2097163" name="object 19"/>
+            <p:cNvPr id="2097158" name="object 19"/>
             <p:cNvPicPr>
               <a:picLocks/>
             </p:cNvPicPr>
@@ -4456,7 +4503,7 @@
         </p:pic>
         <p:pic>
           <p:nvPicPr>
-            <p:cNvPr id="2097164" name="object 20"/>
+            <p:cNvPr id="2097159" name="object 20"/>
             <p:cNvPicPr>
               <a:picLocks/>
             </p:cNvPicPr>
@@ -4479,7 +4526,7 @@
       </p:grpSp>
       <p:sp>
         <p:nvSpPr>
-          <p:cNvPr id="1048657" name="object 22"/>
+          <p:cNvPr id="1048650" name="object 22"/>
           <p:cNvSpPr txBox="1">
             <a:spLocks noGrp="1"/>
           </p:cNvSpPr>
@@ -4513,7 +4560,7 @@
       </p:sp>
       <p:sp>
         <p:nvSpPr>
-          <p:cNvPr id="1048711" name=""/>
+          <p:cNvPr id="1048651" name=""/>
           <p:cNvSpPr txBox="1"/>
           <p:nvPr/>
         </p:nvSpPr>
@@ -4766,7 +4813,7 @@
   <p:cSld>
     <p:spTree>
       <p:nvGrpSpPr>
-        <p:cNvPr id="26" name=""/>
+        <p:cNvPr id="33" name=""/>
         <p:cNvGrpSpPr/>
         <p:nvPr/>
       </p:nvGrpSpPr>
@@ -4780,7 +4827,7 @@
       </p:grpSpPr>
       <p:sp>
         <p:nvSpPr>
-          <p:cNvPr id="1048616" name="object 2"/>
+          <p:cNvPr id="1048652" name="object 2"/>
           <p:cNvSpPr/>
           <p:nvPr/>
         </p:nvSpPr>
@@ -4827,7 +4874,7 @@
       </p:sp>
       <p:grpSp>
         <p:nvGrpSpPr>
-          <p:cNvPr id="27" name="object 3"/>
+          <p:cNvPr id="34" name="object 3"/>
           <p:cNvGrpSpPr/>
           <p:nvPr/>
         </p:nvGrpSpPr>
@@ -4841,7 +4888,7 @@
         </p:grpSpPr>
         <p:sp>
           <p:nvSpPr>
-            <p:cNvPr id="1048617" name="object 4"/>
+            <p:cNvPr id="1048653" name="object 4"/>
             <p:cNvSpPr/>
             <p:nvPr/>
           </p:nvSpPr>
@@ -4878,7 +4925,7 @@
         </p:sp>
         <p:sp>
           <p:nvSpPr>
-            <p:cNvPr id="1048618" name="object 5"/>
+            <p:cNvPr id="1048654" name="object 5"/>
             <p:cNvSpPr/>
             <p:nvPr/>
           </p:nvSpPr>
@@ -4915,7 +4962,7 @@
         </p:sp>
         <p:sp>
           <p:nvSpPr>
-            <p:cNvPr id="1048619" name="object 6"/>
+            <p:cNvPr id="1048655" name="object 6"/>
             <p:cNvSpPr/>
             <p:nvPr/>
           </p:nvSpPr>
@@ -4962,7 +5009,7 @@
         </p:sp>
         <p:sp>
           <p:nvSpPr>
-            <p:cNvPr id="1048620" name="object 7"/>
+            <p:cNvPr id="1048656" name="object 7"/>
             <p:cNvSpPr/>
             <p:nvPr/>
           </p:nvSpPr>
@@ -5009,7 +5056,7 @@
         </p:sp>
         <p:sp>
           <p:nvSpPr>
-            <p:cNvPr id="1048621" name="object 8"/>
+            <p:cNvPr id="1048657" name="object 8"/>
             <p:cNvSpPr/>
             <p:nvPr/>
           </p:nvSpPr>
@@ -5053,7 +5100,7 @@
         </p:sp>
         <p:sp>
           <p:nvSpPr>
-            <p:cNvPr id="1048622" name="object 9"/>
+            <p:cNvPr id="1048658" name="object 9"/>
             <p:cNvSpPr/>
             <p:nvPr/>
           </p:nvSpPr>
@@ -5100,7 +5147,7 @@
         </p:sp>
         <p:sp>
           <p:nvSpPr>
-            <p:cNvPr id="1048623" name="object 10"/>
+            <p:cNvPr id="1048659" name="object 10"/>
             <p:cNvSpPr/>
             <p:nvPr/>
           </p:nvSpPr>
@@ -5147,7 +5194,7 @@
         </p:sp>
         <p:sp>
           <p:nvSpPr>
-            <p:cNvPr id="1048624" name="object 11"/>
+            <p:cNvPr id="1048660" name="object 11"/>
             <p:cNvSpPr/>
             <p:nvPr/>
           </p:nvSpPr>
@@ -5194,7 +5241,7 @@
         </p:sp>
         <p:sp>
           <p:nvSpPr>
-            <p:cNvPr id="1048625" name="object 12"/>
+            <p:cNvPr id="1048661" name="object 12"/>
             <p:cNvSpPr/>
             <p:nvPr/>
           </p:nvSpPr>
@@ -5239,7 +5286,7 @@
       </p:grpSp>
       <p:sp>
         <p:nvSpPr>
-          <p:cNvPr id="1048626" name="object 13"/>
+          <p:cNvPr id="1048662" name="object 13"/>
           <p:cNvSpPr/>
           <p:nvPr/>
         </p:nvSpPr>
@@ -5283,7 +5330,7 @@
       </p:sp>
       <p:sp>
         <p:nvSpPr>
-          <p:cNvPr id="1048627" name="object 14"/>
+          <p:cNvPr id="1048663" name="object 14"/>
           <p:cNvSpPr txBox="1"/>
           <p:nvPr/>
         </p:nvSpPr>
@@ -5453,7 +5500,7 @@
       </p:sp>
       <p:sp>
         <p:nvSpPr>
-          <p:cNvPr id="1048628" name="object 15"/>
+          <p:cNvPr id="1048664" name="object 15"/>
           <p:cNvSpPr/>
           <p:nvPr/>
         </p:nvSpPr>
@@ -5558,7 +5605,7 @@
       </p:sp>
       <p:sp>
         <p:nvSpPr>
-          <p:cNvPr id="1048629" name="object 16"/>
+          <p:cNvPr id="1048665" name="object 16"/>
           <p:cNvSpPr/>
           <p:nvPr/>
         </p:nvSpPr>
@@ -5723,7 +5770,7 @@
       </p:sp>
       <p:pic>
         <p:nvPicPr>
-          <p:cNvPr id="2097159" name="object 17"/>
+          <p:cNvPr id="2097160" name="object 17"/>
           <p:cNvPicPr>
             <a:picLocks/>
           </p:cNvPicPr>
@@ -5745,7 +5792,7 @@
       </p:pic>
       <p:grpSp>
         <p:nvGrpSpPr>
-          <p:cNvPr id="28" name="object 18"/>
+          <p:cNvPr id="35" name="object 18"/>
           <p:cNvGrpSpPr/>
           <p:nvPr/>
         </p:nvGrpSpPr>
@@ -5759,7 +5806,7 @@
         </p:grpSpPr>
         <p:pic>
           <p:nvPicPr>
-            <p:cNvPr id="2097160" name="object 19"/>
+            <p:cNvPr id="2097161" name="object 19"/>
             <p:cNvPicPr>
               <a:picLocks/>
             </p:cNvPicPr>
@@ -5781,7 +5828,7 @@
         </p:pic>
         <p:pic>
           <p:nvPicPr>
-            <p:cNvPr id="2097161" name="object 20"/>
+            <p:cNvPr id="2097162" name="object 20"/>
             <p:cNvPicPr>
               <a:picLocks/>
             </p:cNvPicPr>
@@ -5804,7 +5851,7 @@
       </p:grpSp>
       <p:sp>
         <p:nvSpPr>
-          <p:cNvPr id="1048630" name="object 21"/>
+          <p:cNvPr id="1048666" name="object 21"/>
           <p:cNvSpPr txBox="1">
             <a:spLocks noGrp="1"/>
           </p:cNvSpPr>
@@ -5857,7 +5904,7 @@
       </p:sp>
       <p:sp>
         <p:nvSpPr>
-          <p:cNvPr id="1048631" name="object 22"/>
+          <p:cNvPr id="1048667" name="object 22"/>
           <p:cNvSpPr txBox="1">
             <a:spLocks noGrp="1"/>
           </p:cNvSpPr>
@@ -5891,7 +5938,7 @@
       </p:sp>
       <p:sp>
         <p:nvSpPr>
-          <p:cNvPr id="1048632" name="TextBox 22"/>
+          <p:cNvPr id="1048668" name="TextBox 22"/>
           <p:cNvSpPr txBox="1"/>
           <p:nvPr/>
         </p:nvSpPr>
@@ -6141,7 +6188,7 @@
   <p:cSld>
     <p:spTree>
       <p:nvGrpSpPr>
-        <p:cNvPr id="23" name=""/>
+        <p:cNvPr id="36" name=""/>
         <p:cNvGrpSpPr/>
         <p:nvPr/>
       </p:nvGrpSpPr>
@@ -6155,7 +6202,7 @@
       </p:grpSpPr>
       <p:grpSp>
         <p:nvGrpSpPr>
-          <p:cNvPr id="24" name="object 2"/>
+          <p:cNvPr id="37" name="object 2"/>
           <p:cNvGrpSpPr/>
           <p:nvPr/>
         </p:nvGrpSpPr>
@@ -6169,7 +6216,7 @@
         </p:grpSpPr>
         <p:sp>
           <p:nvSpPr>
-            <p:cNvPr id="1048605" name="object 3"/>
+            <p:cNvPr id="1048669" name="object 3"/>
             <p:cNvSpPr/>
             <p:nvPr/>
           </p:nvSpPr>
@@ -6214,7 +6261,7 @@
         </p:sp>
         <p:sp>
           <p:nvSpPr>
-            <p:cNvPr id="1048606" name="object 4"/>
+            <p:cNvPr id="1048670" name="object 4"/>
             <p:cNvSpPr/>
             <p:nvPr/>
           </p:nvSpPr>
@@ -6259,7 +6306,7 @@
         </p:sp>
         <p:pic>
           <p:nvPicPr>
-            <p:cNvPr id="2097155" name="object 5"/>
+            <p:cNvPr id="2097163" name="object 5"/>
             <p:cNvPicPr>
               <a:picLocks/>
             </p:cNvPicPr>
@@ -6282,7 +6329,7 @@
       </p:grpSp>
       <p:sp>
         <p:nvSpPr>
-          <p:cNvPr id="1048607" name="object 6"/>
+          <p:cNvPr id="1048671" name="object 6"/>
           <p:cNvSpPr/>
           <p:nvPr/>
         </p:nvSpPr>
@@ -6327,7 +6374,7 @@
       </p:sp>
       <p:sp>
         <p:nvSpPr>
-          <p:cNvPr id="1048608" name="object 7"/>
+          <p:cNvPr id="1048672" name="object 7"/>
           <p:cNvSpPr txBox="1">
             <a:spLocks noGrp="1"/>
           </p:cNvSpPr>
@@ -6416,7 +6463,7 @@
       </p:sp>
       <p:pic>
         <p:nvPicPr>
-          <p:cNvPr id="2097156" name="object 8"/>
+          <p:cNvPr id="2097164" name="object 8"/>
           <p:cNvPicPr>
             <a:picLocks/>
           </p:cNvPicPr>
@@ -6438,7 +6485,7 @@
       </p:pic>
       <p:sp>
         <p:nvSpPr>
-          <p:cNvPr id="1048609" name="object 10"/>
+          <p:cNvPr id="1048673" name="object 10"/>
           <p:cNvSpPr txBox="1">
             <a:spLocks noGrp="1"/>
           </p:cNvSpPr>
@@ -6472,7 +6519,7 @@
       </p:sp>
       <p:sp>
         <p:nvSpPr>
-          <p:cNvPr id="1048610" name=""/>
+          <p:cNvPr id="1048674" name=""/>
           <p:cNvSpPr txBox="1"/>
           <p:nvPr/>
         </p:nvSpPr>
@@ -6517,7 +6564,7 @@
   <p:cSld>
     <p:spTree>
       <p:nvGrpSpPr>
-        <p:cNvPr id="19" name=""/>
+        <p:cNvPr id="38" name=""/>
         <p:cNvGrpSpPr/>
         <p:nvPr/>
       </p:nvGrpSpPr>
@@ -6531,7 +6578,7 @@
       </p:grpSpPr>
       <p:grpSp>
         <p:nvGrpSpPr>
-          <p:cNvPr id="20" name="object 2"/>
+          <p:cNvPr id="39" name="object 2"/>
           <p:cNvGrpSpPr/>
           <p:nvPr/>
         </p:nvGrpSpPr>
@@ -6545,7 +6592,7 @@
         </p:grpSpPr>
         <p:sp>
           <p:nvSpPr>
-            <p:cNvPr id="1048595" name="object 3"/>
+            <p:cNvPr id="1048675" name="object 3"/>
             <p:cNvSpPr/>
             <p:nvPr/>
           </p:nvSpPr>
@@ -6590,7 +6637,7 @@
         </p:sp>
         <p:sp>
           <p:nvSpPr>
-            <p:cNvPr id="1048596" name="object 4"/>
+            <p:cNvPr id="1048676" name="object 4"/>
             <p:cNvSpPr/>
             <p:nvPr/>
           </p:nvSpPr>
@@ -6635,7 +6682,7 @@
         </p:sp>
         <p:pic>
           <p:nvPicPr>
-            <p:cNvPr id="2097152" name="object 5"/>
+            <p:cNvPr id="2097165" name="object 5"/>
             <p:cNvPicPr>
               <a:picLocks/>
             </p:cNvPicPr>
@@ -6658,7 +6705,7 @@
       </p:grpSp>
       <p:sp>
         <p:nvSpPr>
-          <p:cNvPr id="1048597" name="object 6"/>
+          <p:cNvPr id="1048677" name="object 6"/>
           <p:cNvSpPr/>
           <p:nvPr/>
         </p:nvSpPr>
@@ -6703,7 +6750,7 @@
       </p:sp>
       <p:sp>
         <p:nvSpPr>
-          <p:cNvPr id="1048598" name="object 7"/>
+          <p:cNvPr id="1048678" name="object 7"/>
           <p:cNvSpPr txBox="1">
             <a:spLocks noGrp="1"/>
           </p:cNvSpPr>
@@ -6748,7 +6795,7 @@
       </p:sp>
       <p:pic>
         <p:nvPicPr>
-          <p:cNvPr id="2097153" name="object 8"/>
+          <p:cNvPr id="2097166" name="object 8"/>
           <p:cNvPicPr>
             <a:picLocks/>
           </p:cNvPicPr>
@@ -6770,7 +6817,7 @@
       </p:pic>
       <p:sp>
         <p:nvSpPr>
-          <p:cNvPr id="1048599" name="object 10"/>
+          <p:cNvPr id="1048679" name="object 10"/>
           <p:cNvSpPr txBox="1">
             <a:spLocks noGrp="1"/>
           </p:cNvSpPr>
@@ -6804,7 +6851,7 @@
       </p:sp>
       <p:sp>
         <p:nvSpPr>
-          <p:cNvPr id="1048701" name=""/>
+          <p:cNvPr id="1048680" name=""/>
           <p:cNvSpPr txBox="1"/>
           <p:nvPr/>
         </p:nvSpPr>
@@ -6864,7 +6911,7 @@
   <p:cSld>
     <p:spTree>
       <p:nvGrpSpPr>
-        <p:cNvPr id="22" name=""/>
+        <p:cNvPr id="40" name=""/>
         <p:cNvGrpSpPr/>
         <p:nvPr/>
       </p:nvGrpSpPr>
@@ -6878,7 +6925,7 @@
       </p:grpSpPr>
       <p:sp>
         <p:nvSpPr>
-          <p:cNvPr id="1048600" name="object 2"/>
+          <p:cNvPr id="1048681" name="object 2"/>
           <p:cNvSpPr/>
           <p:nvPr/>
         </p:nvSpPr>
@@ -6923,7 +6970,7 @@
       </p:sp>
       <p:sp>
         <p:nvSpPr>
-          <p:cNvPr id="1048601" name="object 3"/>
+          <p:cNvPr id="1048682" name="object 3"/>
           <p:cNvSpPr/>
           <p:nvPr/>
         </p:nvSpPr>
@@ -6968,7 +7015,7 @@
       </p:sp>
       <p:sp>
         <p:nvSpPr>
-          <p:cNvPr id="1048602" name="object 4"/>
+          <p:cNvPr id="1048683" name="object 4"/>
           <p:cNvSpPr/>
           <p:nvPr/>
         </p:nvSpPr>
@@ -7013,7 +7060,7 @@
       </p:sp>
       <p:sp>
         <p:nvSpPr>
-          <p:cNvPr id="1048603" name="object 5"/>
+          <p:cNvPr id="1048684" name="object 5"/>
           <p:cNvSpPr txBox="1">
             <a:spLocks noGrp="1"/>
           </p:cNvSpPr>
@@ -7127,7 +7174,7 @@
       </p:sp>
       <p:pic>
         <p:nvPicPr>
-          <p:cNvPr id="2097154" name="object 6"/>
+          <p:cNvPr id="2097167" name="object 6"/>
           <p:cNvPicPr>
             <a:picLocks/>
           </p:cNvPicPr>
@@ -7149,7 +7196,7 @@
       </p:pic>
       <p:sp>
         <p:nvSpPr>
-          <p:cNvPr id="1048604" name="object 8"/>
+          <p:cNvPr id="1048685" name="object 8"/>
           <p:cNvSpPr txBox="1">
             <a:spLocks noGrp="1"/>
           </p:cNvSpPr>
@@ -7183,7 +7230,7 @@
       </p:sp>
       <p:sp>
         <p:nvSpPr>
-          <p:cNvPr id="1048704" name=""/>
+          <p:cNvPr id="1048686" name=""/>
           <p:cNvSpPr txBox="1"/>
           <p:nvPr/>
         </p:nvSpPr>
@@ -7245,7 +7292,7 @@
       </p:grpSpPr>
       <p:pic>
         <p:nvPicPr>
-          <p:cNvPr id="2097157" name="object 2"/>
+          <p:cNvPr id="2097155" name="object 2"/>
           <p:cNvPicPr>
             <a:picLocks/>
           </p:cNvPicPr>
@@ -7267,7 +7314,7 @@
       </p:pic>
       <p:sp>
         <p:nvSpPr>
-          <p:cNvPr id="1048611" name="object 3"/>
+          <p:cNvPr id="1048620" name="object 3"/>
           <p:cNvSpPr/>
           <p:nvPr/>
         </p:nvSpPr>
@@ -7312,7 +7359,7 @@
       </p:sp>
       <p:sp>
         <p:nvSpPr>
-          <p:cNvPr id="1048612" name="object 4"/>
+          <p:cNvPr id="1048621" name="object 4"/>
           <p:cNvSpPr/>
           <p:nvPr/>
         </p:nvSpPr>
@@ -7357,7 +7404,7 @@
       </p:sp>
       <p:sp>
         <p:nvSpPr>
-          <p:cNvPr id="1048613" name="object 5"/>
+          <p:cNvPr id="1048622" name="object 5"/>
           <p:cNvSpPr/>
           <p:nvPr/>
         </p:nvSpPr>
@@ -7402,7 +7449,7 @@
       </p:sp>
       <p:sp>
         <p:nvSpPr>
-          <p:cNvPr id="1048614" name="object 6"/>
+          <p:cNvPr id="1048623" name="object 6"/>
           <p:cNvSpPr txBox="1">
             <a:spLocks noGrp="1"/>
           </p:cNvSpPr>
@@ -7440,7 +7487,7 @@
       </p:sp>
       <p:pic>
         <p:nvPicPr>
-          <p:cNvPr id="2097158" name="object 7"/>
+          <p:cNvPr id="2097156" name="object 7"/>
           <p:cNvPicPr>
             <a:picLocks/>
           </p:cNvPicPr>
@@ -7462,7 +7509,7 @@
       </p:pic>
       <p:sp>
         <p:nvSpPr>
-          <p:cNvPr id="1048615" name="object 9"/>
+          <p:cNvPr id="1048624" name="object 9"/>
           <p:cNvSpPr txBox="1">
             <a:spLocks noGrp="1"/>
           </p:cNvSpPr>
@@ -7496,7 +7543,7 @@
       </p:sp>
       <p:sp>
         <p:nvSpPr>
-          <p:cNvPr id="1048705" name=""/>
+          <p:cNvPr id="1048625" name=""/>
           <p:cNvSpPr txBox="1"/>
           <p:nvPr/>
         </p:nvSpPr>
@@ -7544,7 +7591,7 @@
   <p:cSld>
     <p:spTree>
       <p:nvGrpSpPr>
-        <p:cNvPr id="30" name=""/>
+        <p:cNvPr id="24" name=""/>
         <p:cNvGrpSpPr/>
         <p:nvPr/>
       </p:nvGrpSpPr>
@@ -7558,7 +7605,7 @@
       </p:grpSpPr>
       <p:sp>
         <p:nvSpPr>
-          <p:cNvPr id="1048638" name="object 5"/>
+          <p:cNvPr id="1048615" name="object 5"/>
           <p:cNvSpPr/>
           <p:nvPr/>
         </p:nvSpPr>
@@ -7603,7 +7650,7 @@
       </p:sp>
       <p:pic>
         <p:nvPicPr>
-          <p:cNvPr id="2097162" name="object 6"/>
+          <p:cNvPr id="2097154" name="object 6"/>
           <p:cNvPicPr>
             <a:picLocks/>
           </p:cNvPicPr>
@@ -7625,7 +7672,7 @@
       </p:pic>
       <p:sp>
         <p:nvSpPr>
-          <p:cNvPr id="1048639" name="object 9"/>
+          <p:cNvPr id="1048616" name="object 9"/>
           <p:cNvSpPr txBox="1"/>
           <p:nvPr/>
         </p:nvSpPr>
@@ -7668,7 +7715,7 @@
       </p:sp>
       <p:sp>
         <p:nvSpPr>
-          <p:cNvPr id="1048640" name="object 8"/>
+          <p:cNvPr id="1048617" name="object 8"/>
           <p:cNvSpPr txBox="1"/>
           <p:nvPr/>
         </p:nvSpPr>
@@ -7708,7 +7755,7 @@
       </p:sp>
       <p:sp>
         <p:nvSpPr>
-          <p:cNvPr id="1048641" name="object 3"/>
+          <p:cNvPr id="1048618" name="object 3"/>
           <p:cNvSpPr/>
           <p:nvPr/>
         </p:nvSpPr>
@@ -7753,7 +7800,7 @@
       </p:sp>
       <p:sp>
         <p:nvSpPr>
-          <p:cNvPr id="1048706" name=""/>
+          <p:cNvPr id="1048619" name=""/>
           <p:cNvSpPr txBox="1"/>
           <p:nvPr/>
         </p:nvSpPr>
@@ -7806,7 +7853,7 @@
   <p:cSld>
     <p:spTree>
       <p:nvGrpSpPr>
-        <p:cNvPr id="38" name=""/>
+        <p:cNvPr id="22" name=""/>
         <p:cNvGrpSpPr/>
         <p:nvPr/>
       </p:nvGrpSpPr>
@@ -7820,7 +7867,7 @@
       </p:grpSpPr>
       <p:sp>
         <p:nvSpPr>
-          <p:cNvPr id="1048668" name="Title 1"/>
+          <p:cNvPr id="1048608" name="Title 1"/>
           <p:cNvSpPr>
             <a:spLocks noGrp="1"/>
           </p:cNvSpPr>
@@ -7846,7 +7893,7 @@
       </p:sp>
       <p:sp>
         <p:nvSpPr>
-          <p:cNvPr id="1048707" name=""/>
+          <p:cNvPr id="1048609" name=""/>
           <p:cNvSpPr txBox="1"/>
           <p:nvPr/>
         </p:nvSpPr>
